--- a/Archive/Status Reports/SharkToothSoftware Status Report 03-14-2024.pptx
+++ b/Archive/Status Reports/SharkToothSoftware Status Report 03-14-2024.pptx
@@ -8,8 +8,8 @@
     <p:sldId id="256" r:id="rId5"/>
     <p:sldId id="281" r:id="rId6"/>
     <p:sldId id="279" r:id="rId7"/>
-    <p:sldId id="284" r:id="rId8"/>
-    <p:sldId id="285" r:id="rId9"/>
+    <p:sldId id="285" r:id="rId8"/>
+    <p:sldId id="286" r:id="rId9"/>
     <p:sldId id="283" r:id="rId10"/>
     <p:sldId id="282" r:id="rId11"/>
   </p:sldIdLst>
@@ -138,7 +138,10 @@
 <file path=ppt/revisionInfo.xml><?xml version="1.0" encoding="utf-8"?>
 <p1510:revInfo xmlns:a="http://schemas.openxmlformats.org/drawingml/2006/main" xmlns:r="http://schemas.openxmlformats.org/officeDocument/2006/relationships" xmlns:p1510="http://schemas.microsoft.com/office/powerpoint/2015/10/main">
   <p1510:revLst>
-    <p1510:client id="{A0CEA542-57E6-4805-922A-04E1CA69ABC2}" v="253" dt="2024-03-08T04:27:03.737"/>
+    <p1510:client id="{0A36F186-B4D3-0A88-21CC-9460BE4B6C21}" v="251" dt="2024-03-15T03:47:48.345"/>
+    <p1510:client id="{4D58DA34-08F4-CAEE-6BC3-3FD7F0A772F1}" v="65" dt="2024-03-15T03:18:58.082"/>
+    <p1510:client id="{C0BE8A8D-F828-CF22-CFFB-C873B3454EFE}" v="48" dt="2024-03-15T03:19:42.455"/>
+    <p1510:client id="{E4DF4BA7-4242-4EFF-B88F-356112436D0A}" v="29" dt="2024-03-15T03:48:00.614"/>
   </p1510:revLst>
 </p1510:revInfo>
 </file>
@@ -290,7 +293,7 @@
           <a:p>
             <a:fld id="{B06D2509-7175-4640-AB17-8F4885199472}" type="datetimeFigureOut">
               <a:rPr lang="en-US" smtClean="0"/>
-              <a:t>3/7/2024</a:t>
+              <a:t>3/14/2024</a:t>
             </a:fld>
             <a:endParaRPr lang="en-US"/>
           </a:p>
@@ -488,7 +491,7 @@
           <a:p>
             <a:fld id="{B06D2509-7175-4640-AB17-8F4885199472}" type="datetimeFigureOut">
               <a:rPr lang="en-US" smtClean="0"/>
-              <a:t>3/7/2024</a:t>
+              <a:t>3/14/2024</a:t>
             </a:fld>
             <a:endParaRPr lang="en-US"/>
           </a:p>
@@ -696,7 +699,7 @@
           <a:p>
             <a:fld id="{B06D2509-7175-4640-AB17-8F4885199472}" type="datetimeFigureOut">
               <a:rPr lang="en-US" smtClean="0"/>
-              <a:t>3/7/2024</a:t>
+              <a:t>3/14/2024</a:t>
             </a:fld>
             <a:endParaRPr lang="en-US"/>
           </a:p>
@@ -894,7 +897,7 @@
           <a:p>
             <a:fld id="{B06D2509-7175-4640-AB17-8F4885199472}" type="datetimeFigureOut">
               <a:rPr lang="en-US" smtClean="0"/>
-              <a:t>3/7/2024</a:t>
+              <a:t>3/14/2024</a:t>
             </a:fld>
             <a:endParaRPr lang="en-US"/>
           </a:p>
@@ -1169,7 +1172,7 @@
           <a:p>
             <a:fld id="{B06D2509-7175-4640-AB17-8F4885199472}" type="datetimeFigureOut">
               <a:rPr lang="en-US" smtClean="0"/>
-              <a:t>3/7/2024</a:t>
+              <a:t>3/14/2024</a:t>
             </a:fld>
             <a:endParaRPr lang="en-US"/>
           </a:p>
@@ -1434,7 +1437,7 @@
           <a:p>
             <a:fld id="{B06D2509-7175-4640-AB17-8F4885199472}" type="datetimeFigureOut">
               <a:rPr lang="en-US" smtClean="0"/>
-              <a:t>3/7/2024</a:t>
+              <a:t>3/14/2024</a:t>
             </a:fld>
             <a:endParaRPr lang="en-US"/>
           </a:p>
@@ -1846,7 +1849,7 @@
           <a:p>
             <a:fld id="{B06D2509-7175-4640-AB17-8F4885199472}" type="datetimeFigureOut">
               <a:rPr lang="en-US" smtClean="0"/>
-              <a:t>3/7/2024</a:t>
+              <a:t>3/14/2024</a:t>
             </a:fld>
             <a:endParaRPr lang="en-US"/>
           </a:p>
@@ -1987,7 +1990,7 @@
           <a:p>
             <a:fld id="{B06D2509-7175-4640-AB17-8F4885199472}" type="datetimeFigureOut">
               <a:rPr lang="en-US" smtClean="0"/>
-              <a:t>3/7/2024</a:t>
+              <a:t>3/14/2024</a:t>
             </a:fld>
             <a:endParaRPr lang="en-US"/>
           </a:p>
@@ -2100,7 +2103,7 @@
           <a:p>
             <a:fld id="{B06D2509-7175-4640-AB17-8F4885199472}" type="datetimeFigureOut">
               <a:rPr lang="en-US" smtClean="0"/>
-              <a:t>3/7/2024</a:t>
+              <a:t>3/14/2024</a:t>
             </a:fld>
             <a:endParaRPr lang="en-US"/>
           </a:p>
@@ -2411,7 +2414,7 @@
           <a:p>
             <a:fld id="{B06D2509-7175-4640-AB17-8F4885199472}" type="datetimeFigureOut">
               <a:rPr lang="en-US" smtClean="0"/>
-              <a:t>3/7/2024</a:t>
+              <a:t>3/14/2024</a:t>
             </a:fld>
             <a:endParaRPr lang="en-US"/>
           </a:p>
@@ -2699,7 +2702,7 @@
           <a:p>
             <a:fld id="{B06D2509-7175-4640-AB17-8F4885199472}" type="datetimeFigureOut">
               <a:rPr lang="en-US" smtClean="0"/>
-              <a:t>3/7/2024</a:t>
+              <a:t>3/14/2024</a:t>
             </a:fld>
             <a:endParaRPr lang="en-US"/>
           </a:p>
@@ -2940,7 +2943,7 @@
           <a:p>
             <a:fld id="{B06D2509-7175-4640-AB17-8F4885199472}" type="datetimeFigureOut">
               <a:rPr lang="en-US" smtClean="0"/>
-              <a:t>3/7/2024</a:t>
+              <a:t>3/14/2024</a:t>
             </a:fld>
             <a:endParaRPr lang="en-US"/>
           </a:p>
@@ -3891,46 +3894,46 @@
           <a:p>
             <a:pPr algn="l"/>
             <a:r>
-              <a:rPr lang="en-US" sz="1900"/>
+              <a:rPr lang="en-US" sz="1900" dirty="0"/>
               <a:t>Team Name: </a:t>
             </a:r>
             <a:r>
-              <a:rPr lang="en-US" sz="1900" err="1"/>
+              <a:rPr lang="en-US" sz="1900" dirty="0" err="1"/>
               <a:t>Sharktooth</a:t>
             </a:r>
             <a:r>
-              <a:rPr lang="en-US" sz="1900"/>
+              <a:rPr lang="en-US" sz="1900" dirty="0"/>
               <a:t> Software</a:t>
             </a:r>
           </a:p>
           <a:p>
             <a:pPr algn="l"/>
             <a:r>
-              <a:rPr lang="en-US" sz="1900"/>
+              <a:rPr lang="en-US" sz="1900" dirty="0"/>
               <a:t>Team Members: Alexandru </a:t>
             </a:r>
             <a:r>
-              <a:rPr lang="en-US" sz="1900" err="1"/>
+              <a:rPr lang="en-US" sz="1900" dirty="0" err="1"/>
               <a:t>Cioanca</a:t>
             </a:r>
             <a:r>
-              <a:rPr lang="en-US" sz="1900"/>
+              <a:rPr lang="en-US" sz="1900" dirty="0"/>
               <a:t>, Andrew Dutton, Dustin Phan​, Gabriel Molina​, Roberto Carvalho </a:t>
             </a:r>
             <a:r>
-              <a:rPr lang="en-US" sz="1900" err="1"/>
+              <a:rPr lang="en-US" sz="1900" dirty="0" err="1"/>
               <a:t>Brigagao</a:t>
             </a:r>
             <a:r>
-              <a:rPr lang="en-US" sz="1900"/>
+              <a:rPr lang="en-US" sz="1900" dirty="0"/>
               <a:t>, Thuan Nguyen</a:t>
             </a:r>
           </a:p>
           <a:p>
             <a:pPr algn="l"/>
             <a:r>
-              <a:rPr lang="en-US" sz="1900"/>
-              <a:t>Date: 2/29/2024</a:t>
+              <a:rPr lang="en-US" sz="1900" dirty="0"/>
+              <a:t>Date: 3/14/2024</a:t>
             </a:r>
           </a:p>
         </p:txBody>
@@ -3995,39 +3998,39 @@
           <a:p>
             <a:pPr algn="ctr"/>
             <a:r>
-              <a:rPr lang="en-US" sz="2800" b="1" u="sng"/>
+              <a:rPr lang="en-US" sz="2800" b="1" u="sng" dirty="0"/>
               <a:t>Metrics* Table</a:t>
             </a:r>
             <a:br>
-              <a:rPr lang="en-US" sz="1600" b="1"/>
+              <a:rPr lang="en-US" sz="1600" b="1" dirty="0"/>
             </a:br>
             <a:r>
-              <a:rPr lang="en-US" sz="1600" b="1"/>
+              <a:rPr lang="en-US" sz="1600" b="1" dirty="0"/>
               <a:t>*A software metric is a measure of software characteristics that are quantifiable or countable. Software metrics are important for many reasons, including measuring </a:t>
             </a:r>
             <a:r>
-              <a:rPr lang="en-US" sz="1600" b="1">
+              <a:rPr lang="en-US" sz="1600" b="1" dirty="0">
                 <a:hlinkClick r:id="rId2"/>
               </a:rPr>
               <a:t>software performance</a:t>
             </a:r>
             <a:r>
-              <a:rPr lang="en-US" sz="1600" b="1"/>
+              <a:rPr lang="en-US" sz="1600" b="1" dirty="0"/>
               <a:t>, planning work items, measuring productivity, and many other uses.</a:t>
             </a:r>
             <a:br>
-              <a:rPr lang="en-US" sz="1600" b="1"/>
+              <a:rPr lang="en-US" sz="1600" b="1" dirty="0"/>
             </a:br>
             <a:r>
-              <a:rPr lang="en-US" sz="1600" b="1" u="sng"/>
+              <a:rPr lang="en-US" sz="1600" b="1" u="sng" dirty="0"/>
               <a:t>NOTE: Study each Metric’s definition and determine whether is </a:t>
             </a:r>
             <a:r>
-              <a:rPr lang="en-US" sz="1600" b="1" u="sng" err="1"/>
+              <a:rPr lang="en-US" sz="1600" b="1" u="sng" dirty="0" err="1"/>
               <a:t>is</a:t>
             </a:r>
             <a:r>
-              <a:rPr lang="en-US" sz="1600" b="1" u="sng"/>
+              <a:rPr lang="en-US" sz="1600" b="1" u="sng" dirty="0"/>
               <a:t> applicable to your project</a:t>
             </a:r>
           </a:p>
@@ -4048,7 +4051,7 @@
           <p:nvPr>
             <p:extLst>
               <p:ext uri="{D42A27DB-BD31-4B8C-83A1-F6EECF244321}">
-                <p14:modId xmlns:p14="http://schemas.microsoft.com/office/powerpoint/2010/main" val="3680791735"/>
+                <p14:modId xmlns:p14="http://schemas.microsoft.com/office/powerpoint/2010/main" val="1673190833"/>
               </p:ext>
             </p:extLst>
           </p:nvPr>
@@ -4982,7 +4985,10 @@
                     <a:bodyPr/>
                     <a:lstStyle/>
                     <a:p>
-                      <a:endParaRPr lang="en-US" dirty="0"/>
+                      <a:r>
+                        <a:rPr lang="en-US" dirty="0"/>
+                        <a:t>1</a:t>
+                      </a:r>
                     </a:p>
                   </a:txBody>
                   <a:tcPr>
@@ -5494,7 +5500,10 @@
                     <a:bodyPr/>
                     <a:lstStyle/>
                     <a:p>
-                      <a:endParaRPr lang="en-US"/>
+                      <a:r>
+                        <a:rPr lang="en-US" dirty="0"/>
+                        <a:t>10%</a:t>
+                      </a:r>
                     </a:p>
                   </a:txBody>
                   <a:tcPr>
@@ -6028,7 +6037,10 @@
                     <a:bodyPr/>
                     <a:lstStyle/>
                     <a:p>
-                      <a:endParaRPr lang="en-US"/>
+                      <a:r>
+                        <a:rPr lang="en-US" dirty="0"/>
+                        <a:t>N/A</a:t>
+                      </a:r>
                     </a:p>
                   </a:txBody>
                   <a:tcPr>
@@ -6562,7 +6574,10 @@
                     <a:bodyPr/>
                     <a:lstStyle/>
                     <a:p>
-                      <a:endParaRPr lang="en-US"/>
+                      <a:r>
+                        <a:rPr lang="en-US" dirty="0"/>
+                        <a:t>N/A</a:t>
+                      </a:r>
                     </a:p>
                   </a:txBody>
                   <a:tcPr>
@@ -7090,7 +7105,10 @@
                     <a:bodyPr/>
                     <a:lstStyle/>
                     <a:p>
-                      <a:endParaRPr lang="en-US"/>
+                      <a:r>
+                        <a:rPr lang="en-US" dirty="0"/>
+                        <a:t>N/A</a:t>
+                      </a:r>
                     </a:p>
                   </a:txBody>
                   <a:tcPr>
@@ -7615,7 +7633,10 @@
                     <a:bodyPr/>
                     <a:lstStyle/>
                     <a:p>
-                      <a:endParaRPr lang="en-US"/>
+                      <a:r>
+                        <a:rPr lang="en-US" dirty="0"/>
+                        <a:t>N/A</a:t>
+                      </a:r>
                     </a:p>
                   </a:txBody>
                   <a:tcPr>
@@ -8120,7 +8141,10 @@
                     <a:bodyPr/>
                     <a:lstStyle/>
                     <a:p>
-                      <a:endParaRPr lang="en-US"/>
+                      <a:r>
+                        <a:rPr lang="en-US" dirty="0"/>
+                        <a:t>5%</a:t>
+                      </a:r>
                     </a:p>
                   </a:txBody>
                   <a:tcPr>
@@ -8595,6 +8619,36 @@
           </a:extLst>
         </p:spPr>
       </p:pic>
+      <p:pic>
+        <p:nvPicPr>
+          <p:cNvPr id="3" name="Picture 2" descr="A screenshot of a computer&#10;&#10;Description automatically generated">
+            <a:extLst>
+              <a:ext uri="{FF2B5EF4-FFF2-40B4-BE49-F238E27FC236}">
+                <a16:creationId xmlns:a16="http://schemas.microsoft.com/office/drawing/2014/main" id="{21B74DFF-17DD-E0EF-30BB-99C198D7EC92}"/>
+              </a:ext>
+            </a:extLst>
+          </p:cNvPr>
+          <p:cNvPicPr>
+            <a:picLocks noChangeAspect="1"/>
+          </p:cNvPicPr>
+          <p:nvPr/>
+        </p:nvPicPr>
+        <p:blipFill>
+          <a:blip r:embed="rId6"/>
+          <a:stretch>
+            <a:fillRect/>
+          </a:stretch>
+        </p:blipFill>
+        <p:spPr>
+          <a:xfrm>
+            <a:off x="0" y="1388376"/>
+            <a:ext cx="12192000" cy="4699473"/>
+          </a:xfrm>
+          <a:prstGeom prst="rect">
+            <a:avLst/>
+          </a:prstGeom>
+        </p:spPr>
+      </p:pic>
     </p:spTree>
     <p:extLst>
       <p:ext uri="{BB962C8B-B14F-4D97-AF65-F5344CB8AC3E}">
@@ -8609,116 +8663,6 @@
 </file>
 
 <file path=ppt/slides/slide4.xml><?xml version="1.0" encoding="utf-8"?>
-<p:sld xmlns:a="http://schemas.openxmlformats.org/drawingml/2006/main" xmlns:r="http://schemas.openxmlformats.org/officeDocument/2006/relationships" xmlns:p="http://schemas.openxmlformats.org/presentationml/2006/main">
-  <p:cSld>
-    <p:spTree>
-      <p:nvGrpSpPr>
-        <p:cNvPr id="1" name=""/>
-        <p:cNvGrpSpPr/>
-        <p:nvPr/>
-      </p:nvGrpSpPr>
-      <p:grpSpPr>
-        <a:xfrm>
-          <a:off x="0" y="0"/>
-          <a:ext cx="0" cy="0"/>
-          <a:chOff x="0" y="0"/>
-          <a:chExt cx="0" cy="0"/>
-        </a:xfrm>
-      </p:grpSpPr>
-      <p:sp>
-        <p:nvSpPr>
-          <p:cNvPr id="2" name="Title 1">
-            <a:extLst>
-              <a:ext uri="{FF2B5EF4-FFF2-40B4-BE49-F238E27FC236}">
-                <a16:creationId xmlns:a16="http://schemas.microsoft.com/office/drawing/2014/main" id="{85CBF00A-3C9B-88F0-EAAF-AA4B4842A11B}"/>
-              </a:ext>
-            </a:extLst>
-          </p:cNvPr>
-          <p:cNvSpPr>
-            <a:spLocks noGrp="1"/>
-          </p:cNvSpPr>
-          <p:nvPr>
-            <p:ph type="title"/>
-          </p:nvPr>
-        </p:nvSpPr>
-        <p:spPr>
-          <a:xfrm>
-            <a:off x="838200" y="365125"/>
-            <a:ext cx="10817524" cy="1339940"/>
-          </a:xfrm>
-        </p:spPr>
-        <p:txBody>
-          <a:bodyPr/>
-          <a:lstStyle/>
-          <a:p>
-            <a:r>
-              <a:rPr lang="en-US" dirty="0"/>
-              <a:t>Use Case Diagram</a:t>
-            </a:r>
-          </a:p>
-        </p:txBody>
-      </p:sp>
-      <p:pic>
-        <p:nvPicPr>
-          <p:cNvPr id="2050" name="Picture 2">
-            <a:extLst>
-              <a:ext uri="{FF2B5EF4-FFF2-40B4-BE49-F238E27FC236}">
-                <a16:creationId xmlns:a16="http://schemas.microsoft.com/office/drawing/2014/main" id="{266C0D22-5D52-A06A-72F7-BC91B89F2C8D}"/>
-              </a:ext>
-            </a:extLst>
-          </p:cNvPr>
-          <p:cNvPicPr>
-            <a:picLocks noChangeAspect="1" noChangeArrowheads="1"/>
-          </p:cNvPicPr>
-          <p:nvPr/>
-        </p:nvPicPr>
-        <p:blipFill>
-          <a:blip r:embed="rId2">
-            <a:extLst>
-              <a:ext uri="{28A0092B-C50C-407E-A947-70E740481C1C}">
-                <a14:useLocalDpi xmlns:a14="http://schemas.microsoft.com/office/drawing/2010/main" val="0"/>
-              </a:ext>
-            </a:extLst>
-          </a:blip>
-          <a:srcRect/>
-          <a:stretch>
-            <a:fillRect/>
-          </a:stretch>
-        </p:blipFill>
-        <p:spPr bwMode="auto">
-          <a:xfrm>
-            <a:off x="644844" y="1705065"/>
-            <a:ext cx="6629400" cy="4371975"/>
-          </a:xfrm>
-          <a:prstGeom prst="rect">
-            <a:avLst/>
-          </a:prstGeom>
-          <a:noFill/>
-          <a:extLst>
-            <a:ext uri="{909E8E84-426E-40DD-AFC4-6F175D3DCCD1}">
-              <a14:hiddenFill xmlns:a14="http://schemas.microsoft.com/office/drawing/2010/main">
-                <a:solidFill>
-                  <a:srgbClr val="FFFFFF"/>
-                </a:solidFill>
-              </a14:hiddenFill>
-            </a:ext>
-          </a:extLst>
-        </p:spPr>
-      </p:pic>
-    </p:spTree>
-    <p:extLst>
-      <p:ext uri="{BB962C8B-B14F-4D97-AF65-F5344CB8AC3E}">
-        <p14:creationId xmlns:p14="http://schemas.microsoft.com/office/powerpoint/2010/main" val="3991112570"/>
-      </p:ext>
-    </p:extLst>
-  </p:cSld>
-  <p:clrMapOvr>
-    <a:masterClrMapping/>
-  </p:clrMapOvr>
-</p:sld>
-</file>
-
-<file path=ppt/slides/slide5.xml><?xml version="1.0" encoding="utf-8"?>
 <p:sld xmlns:a="http://schemas.openxmlformats.org/drawingml/2006/main" xmlns:r="http://schemas.openxmlformats.org/officeDocument/2006/relationships" xmlns:p="http://schemas.openxmlformats.org/presentationml/2006/main">
   <p:cSld>
     <p:spTree>
@@ -8843,6 +8787,104 @@
 </p:sld>
 </file>
 
+<file path=ppt/slides/slide5.xml><?xml version="1.0" encoding="utf-8"?>
+<p:sld xmlns:a="http://schemas.openxmlformats.org/drawingml/2006/main" xmlns:r="http://schemas.openxmlformats.org/officeDocument/2006/relationships" xmlns:p="http://schemas.openxmlformats.org/presentationml/2006/main">
+  <p:cSld>
+    <p:spTree>
+      <p:nvGrpSpPr>
+        <p:cNvPr id="1" name=""/>
+        <p:cNvGrpSpPr/>
+        <p:nvPr/>
+      </p:nvGrpSpPr>
+      <p:grpSpPr>
+        <a:xfrm>
+          <a:off x="0" y="0"/>
+          <a:ext cx="0" cy="0"/>
+          <a:chOff x="0" y="0"/>
+          <a:chExt cx="0" cy="0"/>
+        </a:xfrm>
+      </p:grpSpPr>
+      <p:sp>
+        <p:nvSpPr>
+          <p:cNvPr id="2" name="Title 1">
+            <a:extLst>
+              <a:ext uri="{FF2B5EF4-FFF2-40B4-BE49-F238E27FC236}">
+                <a16:creationId xmlns:a16="http://schemas.microsoft.com/office/drawing/2014/main" id="{DE805DA9-9DD8-AA6D-331E-D23160E0BC15}"/>
+              </a:ext>
+            </a:extLst>
+          </p:cNvPr>
+          <p:cNvSpPr>
+            <a:spLocks noGrp="1"/>
+          </p:cNvSpPr>
+          <p:nvPr>
+            <p:ph type="title"/>
+          </p:nvPr>
+        </p:nvSpPr>
+        <p:spPr>
+          <a:xfrm>
+            <a:off x="4173747" y="178219"/>
+            <a:ext cx="5512279" cy="678583"/>
+          </a:xfrm>
+        </p:spPr>
+        <p:txBody>
+          <a:bodyPr>
+            <a:normAutofit fontScale="90000"/>
+          </a:bodyPr>
+          <a:lstStyle/>
+          <a:p>
+            <a:r>
+              <a:rPr lang="en-US">
+                <a:ea typeface="Calibri Light"/>
+                <a:cs typeface="Calibri Light"/>
+              </a:rPr>
+              <a:t>Architecture Diagram</a:t>
+            </a:r>
+            <a:endParaRPr lang="en-US"/>
+          </a:p>
+        </p:txBody>
+      </p:sp>
+      <p:pic>
+        <p:nvPicPr>
+          <p:cNvPr id="4" name="Picture 3" descr="A computer screen shot of a diagram&#10;&#10;Description automatically generated">
+            <a:extLst>
+              <a:ext uri="{FF2B5EF4-FFF2-40B4-BE49-F238E27FC236}">
+                <a16:creationId xmlns:a16="http://schemas.microsoft.com/office/drawing/2014/main" id="{648CF204-D801-9F46-E605-A8410A3D7689}"/>
+              </a:ext>
+            </a:extLst>
+          </p:cNvPr>
+          <p:cNvPicPr>
+            <a:picLocks noChangeAspect="1"/>
+          </p:cNvPicPr>
+          <p:nvPr/>
+        </p:nvPicPr>
+        <p:blipFill rotWithShape="1">
+          <a:blip r:embed="rId2"/>
+          <a:srcRect l="5531" t="3471" r="6941" b="33839"/>
+          <a:stretch/>
+        </p:blipFill>
+        <p:spPr>
+          <a:xfrm>
+            <a:off x="23005" y="773243"/>
+            <a:ext cx="12170910" cy="5939934"/>
+          </a:xfrm>
+          <a:prstGeom prst="rect">
+            <a:avLst/>
+          </a:prstGeom>
+        </p:spPr>
+      </p:pic>
+    </p:spTree>
+    <p:extLst>
+      <p:ext uri="{BB962C8B-B14F-4D97-AF65-F5344CB8AC3E}">
+        <p14:creationId xmlns:p14="http://schemas.microsoft.com/office/powerpoint/2010/main" val="3459162148"/>
+      </p:ext>
+    </p:extLst>
+  </p:cSld>
+  <p:clrMapOvr>
+    <a:masterClrMapping/>
+  </p:clrMapOvr>
+</p:sld>
+</file>
+
 <file path=ppt/slides/slide6.xml><?xml version="1.0" encoding="utf-8"?>
 <p:sld xmlns:a="http://schemas.openxmlformats.org/drawingml/2006/main" xmlns:r="http://schemas.openxmlformats.org/officeDocument/2006/relationships" xmlns:p="http://schemas.openxmlformats.org/presentationml/2006/main">
   <p:cSld>
@@ -8878,8 +8920,8 @@
         </p:nvSpPr>
         <p:spPr>
           <a:xfrm>
-            <a:off x="838200" y="-147255"/>
-            <a:ext cx="10515600" cy="1325563"/>
+            <a:off x="981973" y="-104125"/>
+            <a:ext cx="10371827" cy="937376"/>
           </a:xfrm>
         </p:spPr>
         <p:txBody>
@@ -8889,17 +8931,22 @@
             <a:pPr algn="ctr"/>
             <a:r>
               <a:rPr lang="en-US" dirty="0"/>
-              <a:t>Gantt Chart 3/7/2024</a:t>
-            </a:r>
+              <a:t>Gantt Chart </a:t>
+            </a:r>
+            <a:r>
+              <a:rPr lang="en-US"/>
+              <a:t>3/14/2024</a:t>
+            </a:r>
+            <a:endParaRPr lang="en-US" dirty="0"/>
           </a:p>
         </p:txBody>
       </p:sp>
       <p:pic>
         <p:nvPicPr>
-          <p:cNvPr id="4" name="Picture 3">
+          <p:cNvPr id="3" name="Picture 2" descr="A screenshot of a software&#10;&#10;Description automatically generated">
             <a:extLst>
               <a:ext uri="{FF2B5EF4-FFF2-40B4-BE49-F238E27FC236}">
-                <a16:creationId xmlns:a16="http://schemas.microsoft.com/office/drawing/2014/main" id="{6A2347EE-BC1D-9B44-B3A8-A0D590393964}"/>
+                <a16:creationId xmlns:a16="http://schemas.microsoft.com/office/drawing/2014/main" id="{62001CCB-8340-AC31-9566-F845F9E5E913}"/>
               </a:ext>
             </a:extLst>
           </p:cNvPr>
@@ -8916,8 +8963,8 @@
         </p:blipFill>
         <p:spPr>
           <a:xfrm>
-            <a:off x="921233" y="809271"/>
-            <a:ext cx="10004272" cy="6048729"/>
+            <a:off x="-5748" y="557902"/>
+            <a:ext cx="12203497" cy="6216650"/>
           </a:xfrm>
           <a:prstGeom prst="rect">
             <a:avLst/>
@@ -8982,8 +9029,13 @@
           <a:p>
             <a:r>
               <a:rPr lang="en-US" dirty="0"/>
-              <a:t>What Everyone is Working on - week 2/29/2024</a:t>
-            </a:r>
+              <a:t>What Everyone is Working on - week </a:t>
+            </a:r>
+            <a:r>
+              <a:rPr lang="en-US"/>
+              <a:t>3/14/2024</a:t>
+            </a:r>
+            <a:endParaRPr lang="en-US" dirty="0"/>
           </a:p>
         </p:txBody>
       </p:sp>
@@ -9033,16 +9085,36 @@
                 <a:ea typeface="Calibri"/>
                 <a:cs typeface="Calibri"/>
               </a:rPr>
-              <a:t>Designing Use-Cases for scenario-based models</a:t>
+              <a:t>Updating Trello</a:t>
+            </a:r>
+          </a:p>
+          <a:p>
+            <a:pPr lvl="1"/>
+            <a:r>
+              <a:rPr lang="en-US" dirty="0">
+                <a:ea typeface="Calibri"/>
+                <a:cs typeface="Calibri"/>
+              </a:rPr>
+              <a:t>Defining database information</a:t>
+            </a:r>
+          </a:p>
+          <a:p>
+            <a:pPr lvl="1"/>
+            <a:r>
+              <a:rPr lang="en-US">
+                <a:ea typeface="Calibri"/>
+                <a:cs typeface="Calibri"/>
+              </a:rPr>
+              <a:t>Status Report Update</a:t>
             </a:r>
           </a:p>
           <a:p>
             <a:pPr algn="l"/>
             <a:r>
-              <a:rPr lang="en-US" sz="2800" dirty="0"/>
+              <a:rPr lang="en-US" dirty="0"/>
               <a:t>Andrew Dutton</a:t>
             </a:r>
-            <a:endParaRPr lang="en-US" sz="2800" dirty="0">
+            <a:endParaRPr lang="en-US" dirty="0">
               <a:ea typeface="Calibri"/>
               <a:cs typeface="Calibri"/>
             </a:endParaRPr>
@@ -9074,8 +9146,19 @@
                 <a:ea typeface="Calibri"/>
                 <a:cs typeface="Calibri"/>
               </a:rPr>
-              <a:t>Researching Architecture Options</a:t>
-            </a:r>
+              <a:t>Database Backend</a:t>
+            </a:r>
+            <a:r>
+              <a:rPr lang="en-US">
+                <a:ea typeface="Calibri"/>
+                <a:cs typeface="Calibri"/>
+              </a:rPr>
+              <a:t> w/MongoDB</a:t>
+            </a:r>
+            <a:endParaRPr lang="en-US" dirty="0">
+              <a:ea typeface="Calibri"/>
+              <a:cs typeface="Calibri"/>
+            </a:endParaRPr>
           </a:p>
           <a:p>
             <a:pPr algn="l"/>
@@ -9091,22 +9174,21 @@
           <a:p>
             <a:pPr lvl="1"/>
             <a:r>
-              <a:rPr lang="en-US" dirty="0">
+              <a:rPr lang="en-US">
                 <a:ea typeface="Calibri"/>
                 <a:cs typeface="Calibri"/>
               </a:rPr>
-              <a:t>Creating class models</a:t>
-            </a:r>
-          </a:p>
-          <a:p>
-            <a:pPr lvl="1"/>
-            <a:r>
-              <a:rPr lang="en-US" dirty="0">
-                <a:ea typeface="Calibri"/>
-                <a:cs typeface="Calibri"/>
-              </a:rPr>
-              <a:t>Class Diagrams</a:t>
-            </a:r>
+              <a:t>Catching Up</a:t>
+            </a:r>
+          </a:p>
+          <a:p>
+            <a:pPr marL="457200" lvl="1" indent="0">
+              <a:buNone/>
+            </a:pPr>
+            <a:endParaRPr lang="en-US">
+              <a:ea typeface="Calibri"/>
+              <a:cs typeface="Calibri"/>
+            </a:endParaRPr>
           </a:p>
         </p:txBody>
       </p:sp>
@@ -9310,9 +9392,13 @@
           <a:p>
             <a:pPr lvl="1"/>
             <a:r>
-              <a:rPr lang="en-US" dirty="0"/>
-              <a:t>Fleshing out the requirements</a:t>
-            </a:r>
+              <a:rPr lang="en-US"/>
+              <a:t>Database Backend w/ MongoDB</a:t>
+            </a:r>
+            <a:endParaRPr lang="en-US">
+              <a:ea typeface="Calibri"/>
+              <a:cs typeface="Calibri"/>
+            </a:endParaRPr>
           </a:p>
           <a:p>
             <a:r>
@@ -9328,8 +9414,11 @@
           <a:p>
             <a:pPr lvl="1"/>
             <a:r>
-              <a:rPr lang="en-US" dirty="0"/>
-              <a:t>Working on User Stories</a:t>
+              <a:rPr lang="en-US">
+                <a:ea typeface="Calibri"/>
+                <a:cs typeface="Calibri"/>
+              </a:rPr>
+              <a:t>Design Architecture Diagram</a:t>
             </a:r>
           </a:p>
           <a:p>
@@ -9345,22 +9434,16 @@
           <a:p>
             <a:pPr lvl="1"/>
             <a:r>
-              <a:rPr lang="en-US" dirty="0">
+              <a:rPr lang="en-US">
                 <a:ea typeface="Calibri" panose="020F0502020204030204"/>
                 <a:cs typeface="Calibri" panose="020F0502020204030204"/>
               </a:rPr>
-              <a:t>Requirements Management</a:t>
-            </a:r>
-          </a:p>
-          <a:p>
-            <a:pPr lvl="1"/>
-            <a:r>
-              <a:rPr lang="en-US" dirty="0">
-                <a:ea typeface="Calibri" panose="020F0502020204030204"/>
-                <a:cs typeface="Calibri" panose="020F0502020204030204"/>
-              </a:rPr>
-              <a:t>User Diagrams</a:t>
-            </a:r>
+              <a:t>Catching Up w/ MongoDB Database</a:t>
+            </a:r>
+            <a:endParaRPr lang="en-US" dirty="0">
+              <a:ea typeface="Calibri" panose="020F0502020204030204"/>
+              <a:cs typeface="Calibri" panose="020F0502020204030204"/>
+            </a:endParaRPr>
           </a:p>
         </p:txBody>
       </p:sp>
@@ -9673,6 +9756,15 @@
 </file>
 
 <file path=customXml/item1.xml><?xml version="1.0" encoding="utf-8"?>
+<?mso-contentType ?>
+<FormTemplates xmlns="http://schemas.microsoft.com/sharepoint/v3/contenttype/forms">
+  <Display>DocumentLibraryForm</Display>
+  <Edit>DocumentLibraryForm</Edit>
+  <New>DocumentLibraryForm</New>
+</FormTemplates>
+</file>
+
+<file path=customXml/item2.xml><?xml version="1.0" encoding="utf-8"?>
 <ct:contentTypeSchema xmlns:ct="http://schemas.microsoft.com/office/2006/metadata/contentType" xmlns:ma="http://schemas.microsoft.com/office/2006/metadata/properties/metaAttributes" ct:_="" ma:_="" ma:contentTypeName="Document" ma:contentTypeID="0x010100981F154757184F43BA52CE86881EA819" ma:contentTypeVersion="13" ma:contentTypeDescription="Create a new document." ma:contentTypeScope="" ma:versionID="9d94a645f2130c5e16bede891e571fd0">
   <xsd:schema xmlns:xsd="http://www.w3.org/2001/XMLSchema" xmlns:xs="http://www.w3.org/2001/XMLSchema" xmlns:p="http://schemas.microsoft.com/office/2006/metadata/properties" xmlns:ns3="c5bce405-8758-4dc6-98d6-2b6a48b3b830" xmlns:ns4="563757dc-21ec-4026-8860-76aaf78db67e" targetNamespace="http://schemas.microsoft.com/office/2006/metadata/properties" ma:root="true" ma:fieldsID="41097a85dece5d34c086c9f38bf20c6a" ns3:_="" ns4:_="">
     <xsd:import namespace="c5bce405-8758-4dc6-98d6-2b6a48b3b830"/>
@@ -9893,15 +9985,6 @@
 </ct:contentTypeSchema>
 </file>
 
-<file path=customXml/item2.xml><?xml version="1.0" encoding="utf-8"?>
-<?mso-contentType ?>
-<FormTemplates xmlns="http://schemas.microsoft.com/sharepoint/v3/contenttype/forms">
-  <Display>DocumentLibraryForm</Display>
-  <Edit>DocumentLibraryForm</Edit>
-  <New>DocumentLibraryForm</New>
-</FormTemplates>
-</file>
-
 <file path=customXml/item3.xml><?xml version="1.0" encoding="utf-8"?>
 <p:properties xmlns:p="http://schemas.microsoft.com/office/2006/metadata/properties" xmlns:xsi="http://www.w3.org/2001/XMLSchema-instance" xmlns:pc="http://schemas.microsoft.com/office/infopath/2007/PartnerControls">
   <documentManagement>
@@ -9911,6 +9994,14 @@
 </file>
 
 <file path=customXml/itemProps1.xml><?xml version="1.0" encoding="utf-8"?>
+<ds:datastoreItem xmlns:ds="http://schemas.openxmlformats.org/officeDocument/2006/customXml" ds:itemID="{C6D23F1C-79AE-4417-9870-AAF9B903A922}">
+  <ds:schemaRefs>
+    <ds:schemaRef ds:uri="http://schemas.microsoft.com/sharepoint/v3/contenttype/forms"/>
+  </ds:schemaRefs>
+</ds:datastoreItem>
+</file>
+
+<file path=customXml/itemProps2.xml><?xml version="1.0" encoding="utf-8"?>
 <ds:datastoreItem xmlns:ds="http://schemas.openxmlformats.org/officeDocument/2006/customXml" ds:itemID="{6029E169-740B-447F-B633-86E4644B050E}">
   <ds:schemaRefs>
     <ds:schemaRef ds:uri="563757dc-21ec-4026-8860-76aaf78db67e"/>
@@ -9929,27 +10020,19 @@
 </ds:datastoreItem>
 </file>
 
-<file path=customXml/itemProps2.xml><?xml version="1.0" encoding="utf-8"?>
-<ds:datastoreItem xmlns:ds="http://schemas.openxmlformats.org/officeDocument/2006/customXml" ds:itemID="{C6D23F1C-79AE-4417-9870-AAF9B903A922}">
-  <ds:schemaRefs>
-    <ds:schemaRef ds:uri="http://schemas.microsoft.com/sharepoint/v3/contenttype/forms"/>
-  </ds:schemaRefs>
-</ds:datastoreItem>
-</file>
-
 <file path=customXml/itemProps3.xml><?xml version="1.0" encoding="utf-8"?>
 <ds:datastoreItem xmlns:ds="http://schemas.openxmlformats.org/officeDocument/2006/customXml" ds:itemID="{68879C50-9B21-4BFE-84EA-33BC1F2B4179}">
   <ds:schemaRefs>
+    <ds:schemaRef ds:uri="http://schemas.microsoft.com/office/2006/documentManagement/types"/>
+    <ds:schemaRef ds:uri="http://purl.org/dc/terms/"/>
+    <ds:schemaRef ds:uri="http://schemas.openxmlformats.org/package/2006/metadata/core-properties"/>
+    <ds:schemaRef ds:uri="http://www.w3.org/XML/1998/namespace"/>
+    <ds:schemaRef ds:uri="http://purl.org/dc/dcmitype/"/>
+    <ds:schemaRef ds:uri="http://purl.org/dc/elements/1.1/"/>
+    <ds:schemaRef ds:uri="http://schemas.microsoft.com/office/infopath/2007/PartnerControls"/>
+    <ds:schemaRef ds:uri="563757dc-21ec-4026-8860-76aaf78db67e"/>
+    <ds:schemaRef ds:uri="c5bce405-8758-4dc6-98d6-2b6a48b3b830"/>
     <ds:schemaRef ds:uri="http://schemas.microsoft.com/office/2006/metadata/properties"/>
-    <ds:schemaRef ds:uri="http://purl.org/dc/terms/"/>
-    <ds:schemaRef ds:uri="http://schemas.microsoft.com/office/2006/documentManagement/types"/>
-    <ds:schemaRef ds:uri="http://purl.org/dc/elements/1.1/"/>
-    <ds:schemaRef ds:uri="c5bce405-8758-4dc6-98d6-2b6a48b3b830"/>
-    <ds:schemaRef ds:uri="http://purl.org/dc/dcmitype/"/>
-    <ds:schemaRef ds:uri="http://schemas.microsoft.com/office/infopath/2007/PartnerControls"/>
-    <ds:schemaRef ds:uri="http://schemas.openxmlformats.org/package/2006/metadata/core-properties"/>
-    <ds:schemaRef ds:uri="563757dc-21ec-4026-8860-76aaf78db67e"/>
-    <ds:schemaRef ds:uri="http://www.w3.org/XML/1998/namespace"/>
   </ds:schemaRefs>
 </ds:datastoreItem>
 </file>